--- a/Week1/Classes/PrácticaCommandLineSimple.pptx
+++ b/Week1/Classes/PrácticaCommandLineSimple.pptx
@@ -34,8 +34,8 @@
     <p:sldId id="281" r:id="rId25"/>
     <p:sldId id="286" r:id="rId26"/>
     <p:sldId id="296" r:id="rId27"/>
-    <p:sldId id="294" r:id="rId28"/>
-    <p:sldId id="297" r:id="rId29"/>
+    <p:sldId id="297" r:id="rId28"/>
+    <p:sldId id="294" r:id="rId29"/>
   </p:sldIdLst>
   <p:sldSz cx="12192000" cy="6858000"/>
   <p:notesSz cx="6858000" cy="9144000"/>
@@ -10285,7 +10285,23 @@
                   <a:srgbClr val="FF0000"/>
                 </a:solidFill>
               </a:rPr>
-              <a:t>-Z]\+/\n/g'</a:t>
+              <a:t>-</a:t>
+            </a:r>
+            <a:r>
+              <a:rPr lang="en-US" dirty="0" err="1">
+                <a:solidFill>
+                  <a:srgbClr val="FF0000"/>
+                </a:solidFill>
+              </a:rPr>
+              <a:t>Záéíóúñ</a:t>
+            </a:r>
+            <a:r>
+              <a:rPr lang="en-US" dirty="0">
+                <a:solidFill>
+                  <a:srgbClr val="FF0000"/>
+                </a:solidFill>
+              </a:rPr>
+              <a:t>]\+/\n/g'</a:t>
             </a:r>
             <a:r>
               <a:rPr lang="es-CO" dirty="0">
@@ -10844,7 +10860,31 @@
                   <a:srgbClr val="FF0000"/>
                 </a:solidFill>
               </a:rPr>
-              <a:t>-Z]\+/\n/g'</a:t>
+              <a:t>-</a:t>
+            </a:r>
+            <a:r>
+              <a:rPr lang="en-US" sz="2400" dirty="0" err="1">
+                <a:solidFill>
+                  <a:srgbClr val="FF0000"/>
+                </a:solidFill>
+              </a:rPr>
+              <a:t>Záéíóú</a:t>
+            </a:r>
+            <a:r>
+              <a:rPr lang="es-CO" sz="2400" dirty="0">
+                <a:solidFill>
+                  <a:srgbClr val="FF0000"/>
+                </a:solidFill>
+              </a:rPr>
+              <a:t>ñ</a:t>
+            </a:r>
+            <a:r>
+              <a:rPr lang="en-US" sz="2400" dirty="0">
+                <a:solidFill>
+                  <a:srgbClr val="FF0000"/>
+                </a:solidFill>
+              </a:rPr>
+              <a:t>]\+/\n/g'</a:t>
             </a:r>
             <a:r>
               <a:rPr lang="es-CO" sz="2400" dirty="0">
@@ -10860,23 +10900,7 @@
                   <a:srgbClr val="FF0000"/>
                 </a:solidFill>
               </a:rPr>
-              <a:t> &lt; </a:t>
-            </a:r>
-            <a:r>
-              <a:rPr lang="en-US" sz="2400" dirty="0" err="1">
-                <a:solidFill>
-                  <a:srgbClr val="FF0000"/>
-                </a:solidFill>
-              </a:rPr>
-              <a:t>tuarchivodetexto</a:t>
-            </a:r>
-            <a:r>
-              <a:rPr lang="en-US" sz="2400" dirty="0">
-                <a:solidFill>
-                  <a:srgbClr val="FF0000"/>
-                </a:solidFill>
-              </a:rPr>
-              <a:t> | sort -r | </a:t>
+              <a:t> &lt; tuarchivodetexto.txt | sort -r | </a:t>
             </a:r>
             <a:r>
               <a:rPr lang="en-US" sz="2400" dirty="0" err="1">
@@ -10892,15 +10916,7 @@
                   <a:srgbClr val="FF0000"/>
                 </a:solidFill>
               </a:rPr>
-              <a:t> -c &gt; </a:t>
-            </a:r>
-            <a:r>
-              <a:rPr lang="en-US" sz="2400" dirty="0" err="1">
-                <a:solidFill>
-                  <a:srgbClr val="FF0000"/>
-                </a:solidFill>
-              </a:rPr>
-              <a:t>archivodesalida</a:t>
+              <a:t> -c &gt; archivodesalida.txt</a:t>
             </a:r>
             <a:endParaRPr lang="es-CO" sz="2400" dirty="0">
               <a:solidFill>
@@ -12438,6 +12454,266 @@
           <p:cNvPr id="2" name="Title 1">
             <a:extLst>
               <a:ext uri="{FF2B5EF4-FFF2-40B4-BE49-F238E27FC236}">
+                <a16:creationId xmlns:a16="http://schemas.microsoft.com/office/drawing/2014/main" id="{7EFE20C9-2207-3C9D-F4F7-7D84A9E6465C}"/>
+              </a:ext>
+            </a:extLst>
+          </p:cNvPr>
+          <p:cNvSpPr>
+            <a:spLocks noGrp="1"/>
+          </p:cNvSpPr>
+          <p:nvPr>
+            <p:ph type="title"/>
+          </p:nvPr>
+        </p:nvSpPr>
+        <p:spPr/>
+        <p:txBody>
+          <a:bodyPr/>
+          <a:lstStyle/>
+          <a:p>
+            <a:r>
+              <a:rPr lang="es-CO" dirty="0"/>
+              <a:t>Para antes de la clase del miércoles</a:t>
+            </a:r>
+            <a:endParaRPr lang="en-US" dirty="0"/>
+          </a:p>
+        </p:txBody>
+      </p:sp>
+      <p:sp>
+        <p:nvSpPr>
+          <p:cNvPr id="3" name="Content Placeholder 2">
+            <a:extLst>
+              <a:ext uri="{FF2B5EF4-FFF2-40B4-BE49-F238E27FC236}">
+                <a16:creationId xmlns:a16="http://schemas.microsoft.com/office/drawing/2014/main" id="{67926A25-4FF7-7887-2D4C-2FF3A4844A51}"/>
+              </a:ext>
+            </a:extLst>
+          </p:cNvPr>
+          <p:cNvSpPr>
+            <a:spLocks noGrp="1"/>
+          </p:cNvSpPr>
+          <p:nvPr>
+            <p:ph idx="1"/>
+          </p:nvPr>
+        </p:nvSpPr>
+        <p:spPr>
+          <a:xfrm>
+            <a:off x="838199" y="1825625"/>
+            <a:ext cx="10634133" cy="4351338"/>
+          </a:xfrm>
+        </p:spPr>
+        <p:txBody>
+          <a:bodyPr/>
+          <a:lstStyle/>
+          <a:p>
+            <a:pPr marL="0" indent="0" algn="l">
+              <a:buNone/>
+            </a:pPr>
+            <a:r>
+              <a:rPr lang="en-US" dirty="0" err="1">
+                <a:solidFill>
+                  <a:srgbClr val="24292F"/>
+                </a:solidFill>
+              </a:rPr>
+              <a:t>Completar</a:t>
+            </a:r>
+            <a:r>
+              <a:rPr lang="en-US" dirty="0">
+                <a:solidFill>
+                  <a:srgbClr val="24292F"/>
+                </a:solidFill>
+              </a:rPr>
+              <a:t> </a:t>
+            </a:r>
+            <a:r>
+              <a:rPr lang="en-US" dirty="0" err="1">
+                <a:solidFill>
+                  <a:srgbClr val="24292F"/>
+                </a:solidFill>
+              </a:rPr>
+              <a:t>los</a:t>
+            </a:r>
+            <a:r>
+              <a:rPr lang="en-US" dirty="0">
+                <a:solidFill>
+                  <a:srgbClr val="24292F"/>
+                </a:solidFill>
+              </a:rPr>
+              <a:t> </a:t>
+            </a:r>
+            <a:r>
+              <a:rPr lang="en-US" dirty="0" err="1">
+                <a:solidFill>
+                  <a:srgbClr val="24292F"/>
+                </a:solidFill>
+              </a:rPr>
+              <a:t>siguientes</a:t>
+            </a:r>
+            <a:r>
+              <a:rPr lang="en-US" dirty="0">
+                <a:solidFill>
+                  <a:srgbClr val="24292F"/>
+                </a:solidFill>
+              </a:rPr>
+              <a:t> </a:t>
+            </a:r>
+            <a:r>
+              <a:rPr lang="en-US" dirty="0" err="1">
+                <a:solidFill>
+                  <a:srgbClr val="24292F"/>
+                </a:solidFill>
+              </a:rPr>
+              <a:t>tutoriales</a:t>
+            </a:r>
+            <a:r>
+              <a:rPr lang="en-US" dirty="0">
+                <a:solidFill>
+                  <a:srgbClr val="24292F"/>
+                </a:solidFill>
+              </a:rPr>
+              <a:t> </a:t>
+            </a:r>
+            <a:r>
+              <a:rPr lang="en-US" dirty="0" err="1">
+                <a:solidFill>
+                  <a:srgbClr val="24292F"/>
+                </a:solidFill>
+              </a:rPr>
+              <a:t>en</a:t>
+            </a:r>
+            <a:r>
+              <a:rPr lang="en-US" dirty="0">
+                <a:solidFill>
+                  <a:srgbClr val="24292F"/>
+                </a:solidFill>
+              </a:rPr>
+              <a:t> LinkedIn Learning (</a:t>
+            </a:r>
+            <a:r>
+              <a:rPr lang="en-US" sz="2400" dirty="0">
+                <a:solidFill>
+                  <a:srgbClr val="24292F"/>
+                </a:solidFill>
+                <a:hlinkClick r:id="rId2"/>
+              </a:rPr>
+              <a:t>https://www.mnsu.edu/it-solutions/help-support/linkedinlearning_training/</a:t>
+            </a:r>
+            <a:r>
+              <a:rPr lang="en-US" sz="2400" dirty="0">
+                <a:solidFill>
+                  <a:srgbClr val="24292F"/>
+                </a:solidFill>
+              </a:rPr>
+              <a:t>)</a:t>
+            </a:r>
+          </a:p>
+          <a:p>
+            <a:pPr marL="0" indent="0" algn="l">
+              <a:buNone/>
+            </a:pPr>
+            <a:endParaRPr lang="en-US" b="0" i="0" u="none" strike="noStrike" dirty="0">
+              <a:solidFill>
+                <a:srgbClr val="24292F"/>
+              </a:solidFill>
+              <a:effectLst/>
+              <a:hlinkClick r:id="rId3"/>
+            </a:endParaRPr>
+          </a:p>
+          <a:p>
+            <a:pPr algn="l">
+              <a:buFont typeface="+mj-lt"/>
+              <a:buAutoNum type="arabicPeriod"/>
+            </a:pPr>
+            <a:r>
+              <a:rPr lang="en-US" b="0" i="0" u="none" strike="noStrike" dirty="0">
+                <a:solidFill>
+                  <a:srgbClr val="24292F"/>
+                </a:solidFill>
+                <a:effectLst/>
+                <a:latin typeface="-apple-system"/>
+                <a:hlinkClick r:id="rId3"/>
+              </a:rPr>
+              <a:t>Fundamentals of Programming Languages </a:t>
+            </a:r>
+            <a:r>
+              <a:rPr lang="en-US" b="0" i="0" dirty="0">
+                <a:solidFill>
+                  <a:srgbClr val="24292F"/>
+                </a:solidFill>
+                <a:effectLst/>
+                <a:latin typeface="-apple-system"/>
+              </a:rPr>
+              <a:t>- Section 1: Programming Basics</a:t>
+            </a:r>
+          </a:p>
+          <a:p>
+            <a:pPr algn="l">
+              <a:buFont typeface="+mj-lt"/>
+              <a:buAutoNum type="arabicPeriod"/>
+            </a:pPr>
+            <a:r>
+              <a:rPr lang="en-US" b="0" i="0" u="none" strike="noStrike" dirty="0">
+                <a:solidFill>
+                  <a:srgbClr val="24292F"/>
+                </a:solidFill>
+                <a:effectLst/>
+                <a:latin typeface="-apple-system"/>
+                <a:hlinkClick r:id="rId4"/>
+              </a:rPr>
+              <a:t>Python for Non-Programmers</a:t>
+            </a:r>
+            <a:r>
+              <a:rPr lang="en-US" b="0" i="0" dirty="0">
+                <a:solidFill>
+                  <a:srgbClr val="24292F"/>
+                </a:solidFill>
+                <a:effectLst/>
+                <a:latin typeface="-apple-system"/>
+              </a:rPr>
+              <a:t>. Sections 1, 2 &amp; 3. After that (Optional), work at your own pace and complete as many modules as you want.</a:t>
+            </a:r>
+          </a:p>
+          <a:p>
+            <a:pPr marL="0" indent="0">
+              <a:buNone/>
+            </a:pPr>
+            <a:endParaRPr lang="en-US" dirty="0"/>
+          </a:p>
+        </p:txBody>
+      </p:sp>
+    </p:spTree>
+    <p:extLst>
+      <p:ext uri="{BB962C8B-B14F-4D97-AF65-F5344CB8AC3E}">
+        <p14:creationId xmlns:p14="http://schemas.microsoft.com/office/powerpoint/2010/main" val="1178002505"/>
+      </p:ext>
+    </p:extLst>
+  </p:cSld>
+  <p:clrMapOvr>
+    <a:masterClrMapping/>
+  </p:clrMapOvr>
+</p:sld>
+</file>
+
+<file path=ppt/slides/slide28.xml><?xml version="1.0" encoding="utf-8"?>
+<p:sld xmlns:a="http://schemas.openxmlformats.org/drawingml/2006/main" xmlns:r="http://schemas.openxmlformats.org/officeDocument/2006/relationships" xmlns:p="http://schemas.openxmlformats.org/presentationml/2006/main">
+  <p:cSld>
+    <p:spTree>
+      <p:nvGrpSpPr>
+        <p:cNvPr id="1" name=""/>
+        <p:cNvGrpSpPr/>
+        <p:nvPr/>
+      </p:nvGrpSpPr>
+      <p:grpSpPr>
+        <a:xfrm>
+          <a:off x="0" y="0"/>
+          <a:ext cx="0" cy="0"/>
+          <a:chOff x="0" y="0"/>
+          <a:chExt cx="0" cy="0"/>
+        </a:xfrm>
+      </p:grpSpPr>
+      <p:sp>
+        <p:nvSpPr>
+          <p:cNvPr id="2" name="Title 1">
+            <a:extLst>
+              <a:ext uri="{FF2B5EF4-FFF2-40B4-BE49-F238E27FC236}">
                 <a16:creationId xmlns:a16="http://schemas.microsoft.com/office/drawing/2014/main" id="{16E9A4B1-C8F0-2FA0-1F15-DD63C1B618AC}"/>
               </a:ext>
             </a:extLst>
@@ -12541,266 +12817,6 @@
     <p:extLst>
       <p:ext uri="{BB962C8B-B14F-4D97-AF65-F5344CB8AC3E}">
         <p14:creationId xmlns:p14="http://schemas.microsoft.com/office/powerpoint/2010/main" val="4219922519"/>
-      </p:ext>
-    </p:extLst>
-  </p:cSld>
-  <p:clrMapOvr>
-    <a:masterClrMapping/>
-  </p:clrMapOvr>
-</p:sld>
-</file>
-
-<file path=ppt/slides/slide28.xml><?xml version="1.0" encoding="utf-8"?>
-<p:sld xmlns:a="http://schemas.openxmlformats.org/drawingml/2006/main" xmlns:r="http://schemas.openxmlformats.org/officeDocument/2006/relationships" xmlns:p="http://schemas.openxmlformats.org/presentationml/2006/main">
-  <p:cSld>
-    <p:spTree>
-      <p:nvGrpSpPr>
-        <p:cNvPr id="1" name=""/>
-        <p:cNvGrpSpPr/>
-        <p:nvPr/>
-      </p:nvGrpSpPr>
-      <p:grpSpPr>
-        <a:xfrm>
-          <a:off x="0" y="0"/>
-          <a:ext cx="0" cy="0"/>
-          <a:chOff x="0" y="0"/>
-          <a:chExt cx="0" cy="0"/>
-        </a:xfrm>
-      </p:grpSpPr>
-      <p:sp>
-        <p:nvSpPr>
-          <p:cNvPr id="2" name="Title 1">
-            <a:extLst>
-              <a:ext uri="{FF2B5EF4-FFF2-40B4-BE49-F238E27FC236}">
-                <a16:creationId xmlns:a16="http://schemas.microsoft.com/office/drawing/2014/main" id="{7EFE20C9-2207-3C9D-F4F7-7D84A9E6465C}"/>
-              </a:ext>
-            </a:extLst>
-          </p:cNvPr>
-          <p:cNvSpPr>
-            <a:spLocks noGrp="1"/>
-          </p:cNvSpPr>
-          <p:nvPr>
-            <p:ph type="title"/>
-          </p:nvPr>
-        </p:nvSpPr>
-        <p:spPr/>
-        <p:txBody>
-          <a:bodyPr/>
-          <a:lstStyle/>
-          <a:p>
-            <a:r>
-              <a:rPr lang="es-CO" dirty="0"/>
-              <a:t>Para antes de la clase del miércoles</a:t>
-            </a:r>
-            <a:endParaRPr lang="en-US" dirty="0"/>
-          </a:p>
-        </p:txBody>
-      </p:sp>
-      <p:sp>
-        <p:nvSpPr>
-          <p:cNvPr id="3" name="Content Placeholder 2">
-            <a:extLst>
-              <a:ext uri="{FF2B5EF4-FFF2-40B4-BE49-F238E27FC236}">
-                <a16:creationId xmlns:a16="http://schemas.microsoft.com/office/drawing/2014/main" id="{67926A25-4FF7-7887-2D4C-2FF3A4844A51}"/>
-              </a:ext>
-            </a:extLst>
-          </p:cNvPr>
-          <p:cNvSpPr>
-            <a:spLocks noGrp="1"/>
-          </p:cNvSpPr>
-          <p:nvPr>
-            <p:ph idx="1"/>
-          </p:nvPr>
-        </p:nvSpPr>
-        <p:spPr>
-          <a:xfrm>
-            <a:off x="838199" y="1825625"/>
-            <a:ext cx="10634133" cy="4351338"/>
-          </a:xfrm>
-        </p:spPr>
-        <p:txBody>
-          <a:bodyPr/>
-          <a:lstStyle/>
-          <a:p>
-            <a:pPr marL="0" indent="0" algn="l">
-              <a:buNone/>
-            </a:pPr>
-            <a:r>
-              <a:rPr lang="en-US" dirty="0" err="1">
-                <a:solidFill>
-                  <a:srgbClr val="24292F"/>
-                </a:solidFill>
-              </a:rPr>
-              <a:t>Completar</a:t>
-            </a:r>
-            <a:r>
-              <a:rPr lang="en-US" dirty="0">
-                <a:solidFill>
-                  <a:srgbClr val="24292F"/>
-                </a:solidFill>
-              </a:rPr>
-              <a:t> </a:t>
-            </a:r>
-            <a:r>
-              <a:rPr lang="en-US" dirty="0" err="1">
-                <a:solidFill>
-                  <a:srgbClr val="24292F"/>
-                </a:solidFill>
-              </a:rPr>
-              <a:t>los</a:t>
-            </a:r>
-            <a:r>
-              <a:rPr lang="en-US" dirty="0">
-                <a:solidFill>
-                  <a:srgbClr val="24292F"/>
-                </a:solidFill>
-              </a:rPr>
-              <a:t> </a:t>
-            </a:r>
-            <a:r>
-              <a:rPr lang="en-US" dirty="0" err="1">
-                <a:solidFill>
-                  <a:srgbClr val="24292F"/>
-                </a:solidFill>
-              </a:rPr>
-              <a:t>siguientes</a:t>
-            </a:r>
-            <a:r>
-              <a:rPr lang="en-US" dirty="0">
-                <a:solidFill>
-                  <a:srgbClr val="24292F"/>
-                </a:solidFill>
-              </a:rPr>
-              <a:t> </a:t>
-            </a:r>
-            <a:r>
-              <a:rPr lang="en-US" dirty="0" err="1">
-                <a:solidFill>
-                  <a:srgbClr val="24292F"/>
-                </a:solidFill>
-              </a:rPr>
-              <a:t>tutoriales</a:t>
-            </a:r>
-            <a:r>
-              <a:rPr lang="en-US" dirty="0">
-                <a:solidFill>
-                  <a:srgbClr val="24292F"/>
-                </a:solidFill>
-              </a:rPr>
-              <a:t> </a:t>
-            </a:r>
-            <a:r>
-              <a:rPr lang="en-US" dirty="0" err="1">
-                <a:solidFill>
-                  <a:srgbClr val="24292F"/>
-                </a:solidFill>
-              </a:rPr>
-              <a:t>en</a:t>
-            </a:r>
-            <a:r>
-              <a:rPr lang="en-US" dirty="0">
-                <a:solidFill>
-                  <a:srgbClr val="24292F"/>
-                </a:solidFill>
-              </a:rPr>
-              <a:t> LinkedIn Learning (</a:t>
-            </a:r>
-            <a:r>
-              <a:rPr lang="en-US" sz="2400" dirty="0">
-                <a:solidFill>
-                  <a:srgbClr val="24292F"/>
-                </a:solidFill>
-                <a:hlinkClick r:id="rId2"/>
-              </a:rPr>
-              <a:t>https://www.mnsu.edu/it-solutions/help-support/linkedinlearning_training/</a:t>
-            </a:r>
-            <a:r>
-              <a:rPr lang="en-US" sz="2400" dirty="0">
-                <a:solidFill>
-                  <a:srgbClr val="24292F"/>
-                </a:solidFill>
-              </a:rPr>
-              <a:t>)</a:t>
-            </a:r>
-          </a:p>
-          <a:p>
-            <a:pPr marL="0" indent="0" algn="l">
-              <a:buNone/>
-            </a:pPr>
-            <a:endParaRPr lang="en-US" b="0" i="0" u="none" strike="noStrike" dirty="0">
-              <a:solidFill>
-                <a:srgbClr val="24292F"/>
-              </a:solidFill>
-              <a:effectLst/>
-              <a:hlinkClick r:id="rId3"/>
-            </a:endParaRPr>
-          </a:p>
-          <a:p>
-            <a:pPr algn="l">
-              <a:buFont typeface="+mj-lt"/>
-              <a:buAutoNum type="arabicPeriod"/>
-            </a:pPr>
-            <a:r>
-              <a:rPr lang="en-US" b="0" i="0" u="none" strike="noStrike" dirty="0">
-                <a:solidFill>
-                  <a:srgbClr val="24292F"/>
-                </a:solidFill>
-                <a:effectLst/>
-                <a:latin typeface="-apple-system"/>
-                <a:hlinkClick r:id="rId3"/>
-              </a:rPr>
-              <a:t>Fundamentals of Programming Languages </a:t>
-            </a:r>
-            <a:r>
-              <a:rPr lang="en-US" b="0" i="0" dirty="0">
-                <a:solidFill>
-                  <a:srgbClr val="24292F"/>
-                </a:solidFill>
-                <a:effectLst/>
-                <a:latin typeface="-apple-system"/>
-              </a:rPr>
-              <a:t>- Section 1: Programming Basics</a:t>
-            </a:r>
-          </a:p>
-          <a:p>
-            <a:pPr algn="l">
-              <a:buFont typeface="+mj-lt"/>
-              <a:buAutoNum type="arabicPeriod"/>
-            </a:pPr>
-            <a:r>
-              <a:rPr lang="en-US" b="0" i="0" u="none" strike="noStrike" dirty="0">
-                <a:solidFill>
-                  <a:srgbClr val="24292F"/>
-                </a:solidFill>
-                <a:effectLst/>
-                <a:latin typeface="-apple-system"/>
-                <a:hlinkClick r:id="rId4"/>
-              </a:rPr>
-              <a:t>Python for Non-Programmers</a:t>
-            </a:r>
-            <a:r>
-              <a:rPr lang="en-US" b="0" i="0" dirty="0">
-                <a:solidFill>
-                  <a:srgbClr val="24292F"/>
-                </a:solidFill>
-                <a:effectLst/>
-                <a:latin typeface="-apple-system"/>
-              </a:rPr>
-              <a:t>. Sections 1, 2 &amp; 3. After that (Optional), work at your own pace and complete as many modules as you want.</a:t>
-            </a:r>
-          </a:p>
-          <a:p>
-            <a:pPr marL="0" indent="0">
-              <a:buNone/>
-            </a:pPr>
-            <a:endParaRPr lang="en-US" dirty="0"/>
-          </a:p>
-        </p:txBody>
-      </p:sp>
-    </p:spTree>
-    <p:extLst>
-      <p:ext uri="{BB962C8B-B14F-4D97-AF65-F5344CB8AC3E}">
-        <p14:creationId xmlns:p14="http://schemas.microsoft.com/office/powerpoint/2010/main" val="1178002505"/>
       </p:ext>
     </p:extLst>
   </p:cSld>
@@ -14320,7 +14336,7 @@
             </a:r>
             <a:r>
               <a:rPr lang="es-CO" dirty="0"/>
-              <a:t>¿Qué es y para que lo vamos a utilizar?</a:t>
+              <a:t>¿Qué es y para qué lo vamos a utilizar?</a:t>
             </a:r>
             <a:endParaRPr lang="en-US" dirty="0"/>
           </a:p>

--- a/Week1/Classes/PrácticaCommandLineSimple.pptx
+++ b/Week1/Classes/PrácticaCommandLineSimple.pptx
@@ -5,7 +5,7 @@
     <p:sldMasterId id="2147483648" r:id="rId1"/>
   </p:sldMasterIdLst>
   <p:notesMasterIdLst>
-    <p:notesMasterId r:id="rId30"/>
+    <p:notesMasterId r:id="rId31"/>
   </p:notesMasterIdLst>
   <p:sldIdLst>
     <p:sldId id="256" r:id="rId2"/>
@@ -32,10 +32,11 @@
     <p:sldId id="278" r:id="rId23"/>
     <p:sldId id="279" r:id="rId24"/>
     <p:sldId id="281" r:id="rId25"/>
-    <p:sldId id="286" r:id="rId26"/>
-    <p:sldId id="296" r:id="rId27"/>
-    <p:sldId id="297" r:id="rId28"/>
-    <p:sldId id="294" r:id="rId29"/>
+    <p:sldId id="298" r:id="rId26"/>
+    <p:sldId id="286" r:id="rId27"/>
+    <p:sldId id="296" r:id="rId28"/>
+    <p:sldId id="297" r:id="rId29"/>
+    <p:sldId id="294" r:id="rId30"/>
   </p:sldIdLst>
   <p:sldSz cx="12192000" cy="6858000"/>
   <p:notesSz cx="6858000" cy="9144000"/>
@@ -10900,7 +10901,7 @@
                   <a:srgbClr val="FF0000"/>
                 </a:solidFill>
               </a:rPr>
-              <a:t> &lt; tuarchivodetexto.txt | sort -r | </a:t>
+              <a:t> &lt; muestra.txt | sort -r | </a:t>
             </a:r>
             <a:r>
               <a:rPr lang="en-US" sz="2400" dirty="0" err="1">
@@ -10916,7 +10917,7 @@
                   <a:srgbClr val="FF0000"/>
                 </a:solidFill>
               </a:rPr>
-              <a:t> -c &gt; archivodesalida.txt</a:t>
+              <a:t> -c</a:t>
             </a:r>
             <a:endParaRPr lang="es-CO" sz="2400" dirty="0">
               <a:solidFill>
@@ -11816,7 +11817,7 @@
                   <a:srgbClr val="FF0000"/>
                 </a:solidFill>
               </a:rPr>
-              <a:t>TUTEXTO.txt</a:t>
+              <a:t>muestra.txt</a:t>
             </a:r>
             <a:r>
               <a:rPr lang="es-CO" dirty="0">
@@ -11904,7 +11905,7 @@
                   <a:srgbClr val="FF0000"/>
                 </a:solidFill>
               </a:rPr>
-              <a:t>tr ' ' '\n' &lt; TUTEXTO.txt  | grep -c '</a:t>
+              <a:t>tr ' ' '\n' &lt; muestra.txt  | grep -c '</a:t>
             </a:r>
             <a:r>
               <a:rPr lang="en-US" dirty="0" err="1">
@@ -11944,6 +11945,168 @@
 </file>
 
 <file path=ppt/slides/slide25.xml><?xml version="1.0" encoding="utf-8"?>
+<p:sld xmlns:a="http://schemas.openxmlformats.org/drawingml/2006/main" xmlns:r="http://schemas.openxmlformats.org/officeDocument/2006/relationships" xmlns:p="http://schemas.openxmlformats.org/presentationml/2006/main">
+  <p:cSld>
+    <p:spTree>
+      <p:nvGrpSpPr>
+        <p:cNvPr id="1" name=""/>
+        <p:cNvGrpSpPr/>
+        <p:nvPr/>
+      </p:nvGrpSpPr>
+      <p:grpSpPr>
+        <a:xfrm>
+          <a:off x="0" y="0"/>
+          <a:ext cx="0" cy="0"/>
+          <a:chOff x="0" y="0"/>
+          <a:chExt cx="0" cy="0"/>
+        </a:xfrm>
+      </p:grpSpPr>
+      <p:sp>
+        <p:nvSpPr>
+          <p:cNvPr id="2" name="Title 1">
+            <a:extLst>
+              <a:ext uri="{FF2B5EF4-FFF2-40B4-BE49-F238E27FC236}">
+                <a16:creationId xmlns:a16="http://schemas.microsoft.com/office/drawing/2014/main" id="{1A34C3C2-8626-1050-DC6B-427D5347F111}"/>
+              </a:ext>
+            </a:extLst>
+          </p:cNvPr>
+          <p:cNvSpPr>
+            <a:spLocks noGrp="1"/>
+          </p:cNvSpPr>
+          <p:nvPr>
+            <p:ph type="title"/>
+          </p:nvPr>
+        </p:nvSpPr>
+        <p:spPr/>
+        <p:txBody>
+          <a:bodyPr/>
+          <a:lstStyle/>
+          <a:p>
+            <a:r>
+              <a:rPr lang="en-US" dirty="0" err="1"/>
+              <a:t>morfema</a:t>
+            </a:r>
+            <a:endParaRPr lang="en-US" dirty="0"/>
+          </a:p>
+        </p:txBody>
+      </p:sp>
+      <p:sp>
+        <p:nvSpPr>
+          <p:cNvPr id="3" name="Content Placeholder 2">
+            <a:extLst>
+              <a:ext uri="{FF2B5EF4-FFF2-40B4-BE49-F238E27FC236}">
+                <a16:creationId xmlns:a16="http://schemas.microsoft.com/office/drawing/2014/main" id="{6D8B2ED1-AAD0-6454-6D7D-60A8B277FD7F}"/>
+              </a:ext>
+            </a:extLst>
+          </p:cNvPr>
+          <p:cNvSpPr>
+            <a:spLocks noGrp="1"/>
+          </p:cNvSpPr>
+          <p:nvPr>
+            <p:ph idx="1"/>
+          </p:nvPr>
+        </p:nvSpPr>
+        <p:spPr/>
+        <p:txBody>
+          <a:bodyPr/>
+          <a:lstStyle/>
+          <a:p>
+            <a:pPr marL="0" indent="0">
+              <a:buNone/>
+            </a:pPr>
+            <a:r>
+              <a:rPr lang="en-US" dirty="0"/>
+              <a:t>Es </a:t>
+            </a:r>
+            <a:r>
+              <a:rPr lang="en-US" dirty="0" err="1"/>
+              <a:t>una</a:t>
+            </a:r>
+            <a:r>
+              <a:rPr lang="en-US" dirty="0"/>
+              <a:t> </a:t>
+            </a:r>
+            <a:r>
+              <a:rPr lang="en-US" dirty="0" err="1"/>
+              <a:t>terminaci</a:t>
+            </a:r>
+            <a:r>
+              <a:rPr lang="es-CO" dirty="0" err="1"/>
+              <a:t>ón</a:t>
+            </a:r>
+            <a:r>
+              <a:rPr lang="es-CO" dirty="0"/>
+              <a:t> de una palabra que tiene un significado</a:t>
+            </a:r>
+          </a:p>
+          <a:p>
+            <a:pPr marL="0" indent="0">
+              <a:buNone/>
+            </a:pPr>
+            <a:endParaRPr lang="es-CO" dirty="0"/>
+          </a:p>
+          <a:p>
+            <a:pPr marL="0" indent="0">
+              <a:buNone/>
+            </a:pPr>
+            <a:r>
+              <a:rPr lang="es-CO" dirty="0"/>
+              <a:t>Casa --- cas-</a:t>
+            </a:r>
+            <a:r>
+              <a:rPr lang="es-CO" dirty="0" err="1">
+                <a:solidFill>
+                  <a:srgbClr val="FF0000"/>
+                </a:solidFill>
+              </a:rPr>
+              <a:t>ita</a:t>
+            </a:r>
+            <a:endParaRPr lang="es-CO" dirty="0">
+              <a:solidFill>
+                <a:srgbClr val="FF0000"/>
+              </a:solidFill>
+            </a:endParaRPr>
+          </a:p>
+          <a:p>
+            <a:pPr marL="0" indent="0">
+              <a:buNone/>
+            </a:pPr>
+            <a:endParaRPr lang="es-CO" dirty="0">
+              <a:solidFill>
+                <a:srgbClr val="FF0000"/>
+              </a:solidFill>
+            </a:endParaRPr>
+          </a:p>
+          <a:p>
+            <a:pPr marL="0" indent="0">
+              <a:buNone/>
+            </a:pPr>
+            <a:r>
+              <a:rPr lang="es-CO" dirty="0">
+                <a:solidFill>
+                  <a:srgbClr val="FF0000"/>
+                </a:solidFill>
+              </a:rPr>
+              <a:t>posible</a:t>
+            </a:r>
+            <a:endParaRPr lang="en-US" dirty="0"/>
+          </a:p>
+        </p:txBody>
+      </p:sp>
+    </p:spTree>
+    <p:extLst>
+      <p:ext uri="{BB962C8B-B14F-4D97-AF65-F5344CB8AC3E}">
+        <p14:creationId xmlns:p14="http://schemas.microsoft.com/office/powerpoint/2010/main" val="401362207"/>
+      </p:ext>
+    </p:extLst>
+  </p:cSld>
+  <p:clrMapOvr>
+    <a:masterClrMapping/>
+  </p:clrMapOvr>
+</p:sld>
+</file>
+
+<file path=ppt/slides/slide26.xml><?xml version="1.0" encoding="utf-8"?>
 <p:sld xmlns:a="http://schemas.openxmlformats.org/drawingml/2006/main" xmlns:r="http://schemas.openxmlformats.org/officeDocument/2006/relationships" xmlns:p="http://schemas.openxmlformats.org/presentationml/2006/main">
   <p:cSld>
     <p:spTree>
@@ -12161,7 +12324,7 @@
 </p:sld>
 </file>
 
-<file path=ppt/slides/slide26.xml><?xml version="1.0" encoding="utf-8"?>
+<file path=ppt/slides/slide27.xml><?xml version="1.0" encoding="utf-8"?>
 <p:sld xmlns:a="http://schemas.openxmlformats.org/drawingml/2006/main" xmlns:r="http://schemas.openxmlformats.org/officeDocument/2006/relationships" xmlns:p="http://schemas.openxmlformats.org/presentationml/2006/main">
   <p:cSld>
     <p:spTree>
@@ -12249,7 +12412,7 @@
             </a:pPr>
             <a:r>
               <a:rPr lang="es-CO" dirty="0"/>
-              <a:t>Datos: muestra.txt</a:t>
+              <a:t>Datos: lowerbeginner.txt</a:t>
             </a:r>
           </a:p>
           <a:p>
@@ -12432,7 +12595,7 @@
 </p:sld>
 </file>
 
-<file path=ppt/slides/slide27.xml><?xml version="1.0" encoding="utf-8"?>
+<file path=ppt/slides/slide28.xml><?xml version="1.0" encoding="utf-8"?>
 <p:sld xmlns:a="http://schemas.openxmlformats.org/drawingml/2006/main" xmlns:r="http://schemas.openxmlformats.org/officeDocument/2006/relationships" xmlns:p="http://schemas.openxmlformats.org/presentationml/2006/main">
   <p:cSld>
     <p:spTree>
@@ -12692,7 +12855,7 @@
 </p:sld>
 </file>
 
-<file path=ppt/slides/slide28.xml><?xml version="1.0" encoding="utf-8"?>
+<file path=ppt/slides/slide29.xml><?xml version="1.0" encoding="utf-8"?>
 <p:sld xmlns:a="http://schemas.openxmlformats.org/drawingml/2006/main" xmlns:r="http://schemas.openxmlformats.org/officeDocument/2006/relationships" xmlns:p="http://schemas.openxmlformats.org/presentationml/2006/main">
   <p:cSld>
     <p:spTree>
@@ -12873,7 +13036,7 @@
           <a:p>
             <a:pPr algn="ctr"/>
             <a:r>
-              <a:rPr lang="es-CO">
+              <a:rPr lang="es-CO" dirty="0">
                 <a:solidFill>
                   <a:schemeClr val="tx1">
                     <a:lumMod val="85000"/>
@@ -12881,9 +13044,9 @@
                   </a:schemeClr>
                 </a:solidFill>
               </a:rPr>
-              <a:t>Sobre Falcon</a:t>
-            </a:r>
-            <a:endParaRPr lang="en-US">
+              <a:t>Sobre Falcon Restrepo</a:t>
+            </a:r>
+            <a:endParaRPr lang="en-US" dirty="0">
               <a:solidFill>
                 <a:schemeClr val="tx1">
                   <a:lumMod val="85000"/>
